--- a/materials/PMM-template-module/PMM-template-slides.pptx
+++ b/materials/PMM-template-module/PMM-template-slides.pptx
@@ -5518,7 +5518,7 @@
             </a:pPr>
             <a:r>
               <a:rPr/>
-              <a:t>12/02/2026</a:t>
+              <a:t>15/02/2026</a:t>
             </a:r>
           </a:p>
         </p:txBody>

--- a/materials/PMM-template-module/PMM-template-slides.pptx
+++ b/materials/PMM-template-module/PMM-template-slides.pptx
@@ -5518,7 +5518,7 @@
             </a:pPr>
             <a:r>
               <a:rPr/>
-              <a:t>15/02/2026</a:t>
+              <a:t>18/02/2026</a:t>
             </a:r>
           </a:p>
         </p:txBody>

--- a/materials/PMM-template-module/PMM-template-slides.pptx
+++ b/materials/PMM-template-module/PMM-template-slides.pptx
@@ -5518,7 +5518,7 @@
             </a:pPr>
             <a:r>
               <a:rPr/>
-              <a:t>18/02/2026</a:t>
+              <a:t>22/02/2026</a:t>
             </a:r>
           </a:p>
         </p:txBody>
